--- a/batch 2/ppt2/TOURIST GUIDE MANAGEMENT SYSTEM.pptx
+++ b/batch 2/ppt2/TOURIST GUIDE MANAGEMENT SYSTEM.pptx
@@ -210,7 +210,7 @@
           <a:p>
             <a:fld id="{3EFD42F7-718C-4B98-AAEC-167E6DDD60A7}" type="datetimeFigureOut">
               <a:rPr lang="en-US" smtClean="0"/>
-              <a:t>3/18/2023</a:t>
+              <a:t>4/1/2023</a:t>
             </a:fld>
             <a:endParaRPr lang="en-US"/>
           </a:p>
@@ -1139,7 +1139,7 @@
           <a:p>
             <a:fld id="{79D843A9-3C7A-4134-A01A-FDBE24FA9F0E}" type="datetimeFigureOut">
               <a:rPr lang="en-US" smtClean="0"/>
-              <a:t>3/18/2023</a:t>
+              <a:t>4/1/2023</a:t>
             </a:fld>
             <a:endParaRPr lang="en-IN"/>
           </a:p>
@@ -1326,7 +1326,7 @@
           <a:p>
             <a:fld id="{79D843A9-3C7A-4134-A01A-FDBE24FA9F0E}" type="datetimeFigureOut">
               <a:rPr lang="en-US" smtClean="0"/>
-              <a:t>3/18/2023</a:t>
+              <a:t>4/1/2023</a:t>
             </a:fld>
             <a:endParaRPr lang="en-IN"/>
           </a:p>
@@ -1500,7 +1500,7 @@
           <a:p>
             <a:fld id="{79D843A9-3C7A-4134-A01A-FDBE24FA9F0E}" type="datetimeFigureOut">
               <a:rPr lang="en-US" smtClean="0"/>
-              <a:t>3/18/2023</a:t>
+              <a:t>4/1/2023</a:t>
             </a:fld>
             <a:endParaRPr lang="en-IN"/>
           </a:p>
@@ -1642,7 +1642,7 @@
           <a:p>
             <a:fld id="{79D843A9-3C7A-4134-A01A-FDBE24FA9F0E}" type="datetimeFigureOut">
               <a:rPr lang="en-US" smtClean="0"/>
-              <a:t>3/18/2023</a:t>
+              <a:t>4/1/2023</a:t>
             </a:fld>
             <a:endParaRPr lang="en-IN"/>
           </a:p>
@@ -1885,7 +1885,7 @@
           <a:p>
             <a:fld id="{79D843A9-3C7A-4134-A01A-FDBE24FA9F0E}" type="datetimeFigureOut">
               <a:rPr lang="en-US" smtClean="0"/>
-              <a:t>3/18/2023</a:t>
+              <a:t>4/1/2023</a:t>
             </a:fld>
             <a:endParaRPr lang="en-IN"/>
           </a:p>
@@ -2282,7 +2282,7 @@
           <a:p>
             <a:fld id="{79D843A9-3C7A-4134-A01A-FDBE24FA9F0E}" type="datetimeFigureOut">
               <a:rPr lang="en-US" smtClean="0"/>
-              <a:t>3/18/2023</a:t>
+              <a:t>4/1/2023</a:t>
             </a:fld>
             <a:endParaRPr lang="en-IN"/>
           </a:p>
@@ -2713,7 +2713,7 @@
           <a:p>
             <a:fld id="{79D843A9-3C7A-4134-A01A-FDBE24FA9F0E}" type="datetimeFigureOut">
               <a:rPr lang="en-US" smtClean="0"/>
-              <a:t>3/18/2023</a:t>
+              <a:t>4/1/2023</a:t>
             </a:fld>
             <a:endParaRPr lang="en-IN"/>
           </a:p>
@@ -2808,7 +2808,7 @@
           <a:p>
             <a:fld id="{79D843A9-3C7A-4134-A01A-FDBE24FA9F0E}" type="datetimeFigureOut">
               <a:rPr lang="en-US" smtClean="0"/>
-              <a:t>3/18/2023</a:t>
+              <a:t>4/1/2023</a:t>
             </a:fld>
             <a:endParaRPr lang="en-IN"/>
           </a:p>
@@ -2920,7 +2920,7 @@
           <a:p>
             <a:fld id="{79D843A9-3C7A-4134-A01A-FDBE24FA9F0E}" type="datetimeFigureOut">
               <a:rPr lang="en-US" smtClean="0"/>
-              <a:t>3/18/2023</a:t>
+              <a:t>4/1/2023</a:t>
             </a:fld>
             <a:endParaRPr lang="en-IN"/>
           </a:p>
@@ -3184,7 +3184,7 @@
           <a:p>
             <a:fld id="{79D843A9-3C7A-4134-A01A-FDBE24FA9F0E}" type="datetimeFigureOut">
               <a:rPr lang="en-US" smtClean="0"/>
-              <a:t>3/18/2023</a:t>
+              <a:t>4/1/2023</a:t>
             </a:fld>
             <a:endParaRPr lang="en-IN"/>
           </a:p>
@@ -3382,7 +3382,7 @@
           <a:p>
             <a:fld id="{79D843A9-3C7A-4134-A01A-FDBE24FA9F0E}" type="datetimeFigureOut">
               <a:rPr lang="en-US" smtClean="0"/>
-              <a:t>3/18/2023</a:t>
+              <a:t>4/1/2023</a:t>
             </a:fld>
             <a:endParaRPr lang="en-IN"/>
           </a:p>
@@ -4452,7 +4452,7 @@
           <a:p>
             <a:fld id="{79D843A9-3C7A-4134-A01A-FDBE24FA9F0E}" type="datetimeFigureOut">
               <a:rPr lang="en-US" smtClean="0"/>
-              <a:t>3/18/2023</a:t>
+              <a:t>4/1/2023</a:t>
             </a:fld>
             <a:endParaRPr lang="en-IN"/>
           </a:p>
@@ -4937,7 +4937,7 @@
         </p:nvSpPr>
         <p:spPr>
           <a:xfrm>
-            <a:off x="457200" y="857232"/>
+            <a:off x="457200" y="943237"/>
             <a:ext cx="8229600" cy="5150059"/>
           </a:xfrm>
         </p:spPr>
@@ -7420,7 +7420,7 @@
   <a:extraClrSchemeLst/>
   <a:extLst>
     <a:ext uri="{05A4C25C-085E-4340-85A3-A5531E510DB2}">
-      <thm15:themeFamily xmlns:thm15="http://schemas.microsoft.com/office/thememl/2012/main" xmlns="" name="Office Theme" id="{62F939B6-93AF-4DB8-9C6B-D6C7DFDC589F}" vid="{4A3C46E8-61CC-4603-A589-7422A47A8E4A}"/>
+      <thm15:themeFamily xmlns="" xmlns:thm15="http://schemas.microsoft.com/office/thememl/2012/main" name="Office Theme" id="{62F939B6-93AF-4DB8-9C6B-D6C7DFDC589F}" vid="{4A3C46E8-61CC-4603-A589-7422A47A8E4A}"/>
     </a:ext>
   </a:extLst>
 </a:theme>
@@ -7681,7 +7681,7 @@
   <a:extraClrSchemeLst/>
   <a:extLst>
     <a:ext uri="{05A4C25C-085E-4340-85A3-A5531E510DB2}">
-      <thm15:themeFamily xmlns:thm15="http://schemas.microsoft.com/office/thememl/2012/main" xmlns="" name="Office Theme" id="{62F939B6-93AF-4DB8-9C6B-D6C7DFDC589F}" vid="{4A3C46E8-61CC-4603-A589-7422A47A8E4A}"/>
+      <thm15:themeFamily xmlns="" xmlns:thm15="http://schemas.microsoft.com/office/thememl/2012/main" name="Office Theme" id="{62F939B6-93AF-4DB8-9C6B-D6C7DFDC589F}" vid="{4A3C46E8-61CC-4603-A589-7422A47A8E4A}"/>
     </a:ext>
   </a:extLst>
 </a:theme>
